--- a/AUTOMOBILE DATASET ANALYSIS AND PRICE PREDICTION-1.pptx
+++ b/AUTOMOBILE DATASET ANALYSIS AND PRICE PREDICTION-1.pptx
@@ -15,14 +15,15 @@
     <p:sldId id="267" r:id="rId9"/>
     <p:sldId id="272" r:id="rId10"/>
     <p:sldId id="261" r:id="rId11"/>
-    <p:sldId id="273" r:id="rId12"/>
-    <p:sldId id="259" r:id="rId13"/>
-    <p:sldId id="262" r:id="rId14"/>
-    <p:sldId id="269" r:id="rId15"/>
-    <p:sldId id="263" r:id="rId16"/>
-    <p:sldId id="266" r:id="rId17"/>
-    <p:sldId id="268" r:id="rId18"/>
-    <p:sldId id="270" r:id="rId19"/>
+    <p:sldId id="274" r:id="rId12"/>
+    <p:sldId id="273" r:id="rId13"/>
+    <p:sldId id="259" r:id="rId14"/>
+    <p:sldId id="262" r:id="rId15"/>
+    <p:sldId id="269" r:id="rId16"/>
+    <p:sldId id="263" r:id="rId17"/>
+    <p:sldId id="266" r:id="rId18"/>
+    <p:sldId id="268" r:id="rId19"/>
+    <p:sldId id="270" r:id="rId20"/>
   </p:sldIdLst>
   <p:sldSz cx="12192000" cy="6858000"/>
   <p:notesSz cx="6858000" cy="9144000"/>
@@ -2982,7 +2983,7 @@
       </dgm:t>
     </dgm:pt>
     <dgm:pt modelId="{B5FCA64F-A752-4572-AC62-764B6B62E87F}">
-      <dgm:prSet/>
+      <dgm:prSet custT="1"/>
       <dgm:spPr/>
       <dgm:t>
         <a:bodyPr/>
@@ -2994,26 +2995,34 @@
             </a:lnSpc>
           </a:pPr>
           <a:r>
-            <a:rPr lang="en-US" b="0" i="0" baseline="0" dirty="0"/>
+            <a:rPr lang="en-US" sz="3800" b="0" i="0" baseline="0" dirty="0"/>
             <a:t>- </a:t>
           </a:r>
           <a:r>
-            <a:rPr lang="en-US" b="0" i="0" baseline="0" dirty="0" err="1"/>
+            <a:rPr lang="en-US" sz="2400" b="0" i="0" baseline="0" dirty="0" err="1"/>
             <a:t>Jupyter</a:t>
           </a:r>
           <a:r>
-            <a:rPr lang="en-US" b="0" i="0" baseline="0" dirty="0"/>
+            <a:rPr lang="en-US" sz="2400" b="0" i="0" baseline="0" dirty="0"/>
             <a:t> Notebook - </a:t>
           </a:r>
           <a:r>
-            <a:rPr lang="en-US" b="0" i="0" baseline="0" dirty="0" err="1"/>
+            <a:rPr lang="en-US" sz="2400" b="0" i="0" baseline="0" dirty="0" err="1"/>
             <a:t>Numpy</a:t>
           </a:r>
           <a:r>
-            <a:rPr lang="en-US" b="0" i="0" baseline="0" dirty="0"/>
-            <a:t> - Pandas - Matplotlib – Seaborn, </a:t>
+            <a:rPr lang="en-US" sz="2400" b="0" i="0" baseline="0" dirty="0"/>
+            <a:t> - Pandas - Matplotlib – Seaborn -</a:t>
           </a:r>
-          <a:endParaRPr lang="en-US" dirty="0"/>
+          <a:r>
+            <a:rPr lang="en-US" sz="2400" b="0" i="0" dirty="0" err="1"/>
+            <a:t>sklearn</a:t>
+          </a:r>
+          <a:r>
+            <a:rPr lang="en-US" sz="2400" b="0" i="0" baseline="0" dirty="0"/>
+            <a:t> </a:t>
+          </a:r>
+          <a:endParaRPr lang="en-US" sz="2400" dirty="0"/>
         </a:p>
       </dgm:t>
     </dgm:pt>
@@ -3083,19 +3092,19 @@
     </dgm:pt>
   </dgm:ptLst>
   <dgm:cxnLst>
-    <dgm:cxn modelId="{D5774008-C9AB-489B-B581-817612C89BC9}" type="presOf" srcId="{A96B5D00-806E-495C-B93B-03A0C0613DEB}" destId="{71F14AF4-EF19-4F20-B050-FA626B33249E}" srcOrd="0" destOrd="0" presId="urn:microsoft.com/office/officeart/2008/layout/LinedList"/>
+    <dgm:cxn modelId="{AA7A6003-2395-49CE-A8FA-E716F61B6073}" type="presOf" srcId="{A96B5D00-806E-495C-B93B-03A0C0613DEB}" destId="{71F14AF4-EF19-4F20-B050-FA626B33249E}" srcOrd="0" destOrd="0" presId="urn:microsoft.com/office/officeart/2008/layout/LinedList"/>
     <dgm:cxn modelId="{11DD6231-AF33-43CB-974D-17E9CE7EA8B4}" srcId="{A96B5D00-806E-495C-B93B-03A0C0613DEB}" destId="{456F7A17-021E-481B-B44F-0C0F877D59E6}" srcOrd="0" destOrd="0" parTransId="{D9B4E6CF-3664-4FE3-BCC6-006ED4AC6D7B}" sibTransId="{C57362A7-B511-4274-91B5-2A6F42210306}"/>
+    <dgm:cxn modelId="{2DF19932-0053-478F-9A3B-267584CC1EC7}" type="presOf" srcId="{B5FCA64F-A752-4572-AC62-764B6B62E87F}" destId="{BCCB305D-4035-45FF-8F1F-20C990EB9AFC}" srcOrd="0" destOrd="0" presId="urn:microsoft.com/office/officeart/2008/layout/LinedList"/>
     <dgm:cxn modelId="{8D9CCA48-3D32-4850-B654-F007E2B9C47C}" srcId="{A96B5D00-806E-495C-B93B-03A0C0613DEB}" destId="{B5FCA64F-A752-4572-AC62-764B6B62E87F}" srcOrd="1" destOrd="0" parTransId="{0552502A-9F2A-4444-B36E-E55DC3088FE5}" sibTransId="{21E2BF51-3E97-4EE3-94FC-7E4E594E6AF4}"/>
-    <dgm:cxn modelId="{C7D2B16F-26BC-4E6D-AB3B-A78991ECFA05}" type="presOf" srcId="{B5FCA64F-A752-4572-AC62-764B6B62E87F}" destId="{BCCB305D-4035-45FF-8F1F-20C990EB9AFC}" srcOrd="0" destOrd="0" presId="urn:microsoft.com/office/officeart/2008/layout/LinedList"/>
-    <dgm:cxn modelId="{E1E7B77A-FD52-4189-BC65-F34E68B05512}" type="presOf" srcId="{456F7A17-021E-481B-B44F-0C0F877D59E6}" destId="{9856D181-091A-461F-A581-7AF44D1318D4}" srcOrd="0" destOrd="0" presId="urn:microsoft.com/office/officeart/2008/layout/LinedList"/>
-    <dgm:cxn modelId="{B4AE97C6-0237-436C-8F79-492E48DA83A4}" type="presParOf" srcId="{71F14AF4-EF19-4F20-B050-FA626B33249E}" destId="{3F92FFC3-C670-4472-8ACB-B1DDF47CAB8D}" srcOrd="0" destOrd="0" presId="urn:microsoft.com/office/officeart/2008/layout/LinedList"/>
-    <dgm:cxn modelId="{8D7A32F4-45E1-4B84-99A6-1E4999917A21}" type="presParOf" srcId="{71F14AF4-EF19-4F20-B050-FA626B33249E}" destId="{DB471902-202B-46B3-8121-15158F1C7267}" srcOrd="1" destOrd="0" presId="urn:microsoft.com/office/officeart/2008/layout/LinedList"/>
-    <dgm:cxn modelId="{EA26BD78-56ED-4814-8138-6FCC59A19E43}" type="presParOf" srcId="{DB471902-202B-46B3-8121-15158F1C7267}" destId="{9856D181-091A-461F-A581-7AF44D1318D4}" srcOrd="0" destOrd="0" presId="urn:microsoft.com/office/officeart/2008/layout/LinedList"/>
-    <dgm:cxn modelId="{D08019FC-DE3C-4872-A2CF-13B4A5DC2858}" type="presParOf" srcId="{DB471902-202B-46B3-8121-15158F1C7267}" destId="{457C11CE-AE91-4807-BF1F-325EDFA95E5E}" srcOrd="1" destOrd="0" presId="urn:microsoft.com/office/officeart/2008/layout/LinedList"/>
-    <dgm:cxn modelId="{8A323F18-08C4-479A-B693-CA501D3579AC}" type="presParOf" srcId="{71F14AF4-EF19-4F20-B050-FA626B33249E}" destId="{DC5262C7-1239-4968-A52D-7A890E6A3476}" srcOrd="2" destOrd="0" presId="urn:microsoft.com/office/officeart/2008/layout/LinedList"/>
-    <dgm:cxn modelId="{7E31AF89-A062-46DC-BBC4-B9AE2CEB2974}" type="presParOf" srcId="{71F14AF4-EF19-4F20-B050-FA626B33249E}" destId="{5542EC2A-AFFD-4FAD-A2BC-E9C843AEDEBB}" srcOrd="3" destOrd="0" presId="urn:microsoft.com/office/officeart/2008/layout/LinedList"/>
-    <dgm:cxn modelId="{0BE7A619-13ED-47BD-806E-D2567512B10F}" type="presParOf" srcId="{5542EC2A-AFFD-4FAD-A2BC-E9C843AEDEBB}" destId="{BCCB305D-4035-45FF-8F1F-20C990EB9AFC}" srcOrd="0" destOrd="0" presId="urn:microsoft.com/office/officeart/2008/layout/LinedList"/>
-    <dgm:cxn modelId="{7C1FE9C9-8D10-44E1-99ED-6FEF13814735}" type="presParOf" srcId="{5542EC2A-AFFD-4FAD-A2BC-E9C843AEDEBB}" destId="{0B826EBF-5381-4BC4-8AC5-74DDACFFCF13}" srcOrd="1" destOrd="0" presId="urn:microsoft.com/office/officeart/2008/layout/LinedList"/>
+    <dgm:cxn modelId="{8B3B5E4C-2375-4869-AC55-BC13E09A5541}" type="presOf" srcId="{456F7A17-021E-481B-B44F-0C0F877D59E6}" destId="{9856D181-091A-461F-A581-7AF44D1318D4}" srcOrd="0" destOrd="0" presId="urn:microsoft.com/office/officeart/2008/layout/LinedList"/>
+    <dgm:cxn modelId="{413B0374-D170-465B-8880-45749E5E2EE5}" type="presParOf" srcId="{71F14AF4-EF19-4F20-B050-FA626B33249E}" destId="{3F92FFC3-C670-4472-8ACB-B1DDF47CAB8D}" srcOrd="0" destOrd="0" presId="urn:microsoft.com/office/officeart/2008/layout/LinedList"/>
+    <dgm:cxn modelId="{1C8B476F-000C-4794-A9D8-B3D7BDBBB5B9}" type="presParOf" srcId="{71F14AF4-EF19-4F20-B050-FA626B33249E}" destId="{DB471902-202B-46B3-8121-15158F1C7267}" srcOrd="1" destOrd="0" presId="urn:microsoft.com/office/officeart/2008/layout/LinedList"/>
+    <dgm:cxn modelId="{E842CD94-31E3-48A2-BAF8-2B65225FA96B}" type="presParOf" srcId="{DB471902-202B-46B3-8121-15158F1C7267}" destId="{9856D181-091A-461F-A581-7AF44D1318D4}" srcOrd="0" destOrd="0" presId="urn:microsoft.com/office/officeart/2008/layout/LinedList"/>
+    <dgm:cxn modelId="{9D3E5B1E-82B6-4558-A407-97B38EF732B7}" type="presParOf" srcId="{DB471902-202B-46B3-8121-15158F1C7267}" destId="{457C11CE-AE91-4807-BF1F-325EDFA95E5E}" srcOrd="1" destOrd="0" presId="urn:microsoft.com/office/officeart/2008/layout/LinedList"/>
+    <dgm:cxn modelId="{659C3414-C8AE-4345-A50E-CBF5D2BB72AF}" type="presParOf" srcId="{71F14AF4-EF19-4F20-B050-FA626B33249E}" destId="{DC5262C7-1239-4968-A52D-7A890E6A3476}" srcOrd="2" destOrd="0" presId="urn:microsoft.com/office/officeart/2008/layout/LinedList"/>
+    <dgm:cxn modelId="{952C7A57-D2B8-4C86-A696-A5107EC8DEE9}" type="presParOf" srcId="{71F14AF4-EF19-4F20-B050-FA626B33249E}" destId="{5542EC2A-AFFD-4FAD-A2BC-E9C843AEDEBB}" srcOrd="3" destOrd="0" presId="urn:microsoft.com/office/officeart/2008/layout/LinedList"/>
+    <dgm:cxn modelId="{E60BD922-C943-46A3-946B-65AAF474F05E}" type="presParOf" srcId="{5542EC2A-AFFD-4FAD-A2BC-E9C843AEDEBB}" destId="{BCCB305D-4035-45FF-8F1F-20C990EB9AFC}" srcOrd="0" destOrd="0" presId="urn:microsoft.com/office/officeart/2008/layout/LinedList"/>
+    <dgm:cxn modelId="{46212A72-7EC3-4EC3-AD6B-25BBEA76E0C0}" type="presParOf" srcId="{5542EC2A-AFFD-4FAD-A2BC-E9C843AEDEBB}" destId="{0B826EBF-5381-4BC4-8AC5-74DDACFFCF13}" srcOrd="1" destOrd="0" presId="urn:microsoft.com/office/officeart/2008/layout/LinedList"/>
   </dgm:cxnLst>
   <dgm:bg/>
   <dgm:whole/>
@@ -3939,12 +3948,12 @@
         <a:fontRef idx="minor"/>
       </dsp:style>
       <dsp:txBody>
-        <a:bodyPr spcFirstLastPara="0" vert="horz" wrap="square" lIns="144780" tIns="144780" rIns="144780" bIns="144780" numCol="1" spcCol="1270" anchor="t" anchorCtr="0">
+        <a:bodyPr spcFirstLastPara="0" vert="horz" wrap="square" lIns="190500" tIns="190500" rIns="190500" bIns="190500" numCol="1" spcCol="1270" anchor="t" anchorCtr="0">
           <a:noAutofit/>
         </a:bodyPr>
         <a:lstStyle/>
         <a:p>
-          <a:pPr marL="0" lvl="0" indent="0" algn="l" defTabSz="1689100">
+          <a:pPr marL="0" lvl="0" indent="0" algn="l" defTabSz="2222500">
             <a:lnSpc>
               <a:spcPct val="100000"/>
             </a:lnSpc>
@@ -3957,10 +3966,10 @@
             <a:buNone/>
           </a:pPr>
           <a:r>
-            <a:rPr lang="en-US" sz="3800" b="1" i="0" kern="1200" baseline="0"/>
+            <a:rPr lang="en-US" sz="5000" b="1" i="0" kern="1200" baseline="0"/>
             <a:t>Softwares and Libraries Used:</a:t>
           </a:r>
-          <a:endParaRPr lang="en-US" sz="3800" kern="1200"/>
+          <a:endParaRPr lang="en-US" sz="5000" kern="1200"/>
         </a:p>
       </dsp:txBody>
       <dsp:txXfrm>
@@ -4072,22 +4081,30 @@
             <a:t>- </a:t>
           </a:r>
           <a:r>
-            <a:rPr lang="en-US" sz="3800" b="0" i="0" kern="1200" baseline="0" dirty="0" err="1"/>
+            <a:rPr lang="en-US" sz="2400" b="0" i="0" kern="1200" baseline="0" dirty="0" err="1"/>
             <a:t>Jupyter</a:t>
           </a:r>
           <a:r>
-            <a:rPr lang="en-US" sz="3800" b="0" i="0" kern="1200" baseline="0" dirty="0"/>
+            <a:rPr lang="en-US" sz="2400" b="0" i="0" kern="1200" baseline="0" dirty="0"/>
             <a:t> Notebook - </a:t>
           </a:r>
           <a:r>
-            <a:rPr lang="en-US" sz="3800" b="0" i="0" kern="1200" baseline="0" dirty="0" err="1"/>
+            <a:rPr lang="en-US" sz="2400" b="0" i="0" kern="1200" baseline="0" dirty="0" err="1"/>
             <a:t>Numpy</a:t>
           </a:r>
           <a:r>
-            <a:rPr lang="en-US" sz="3800" b="0" i="0" kern="1200" baseline="0" dirty="0"/>
-            <a:t> - Pandas - Matplotlib – Seaborn, </a:t>
+            <a:rPr lang="en-US" sz="2400" b="0" i="0" kern="1200" baseline="0" dirty="0"/>
+            <a:t> - Pandas - Matplotlib – Seaborn -</a:t>
           </a:r>
-          <a:endParaRPr lang="en-US" sz="3800" kern="1200" dirty="0"/>
+          <a:r>
+            <a:rPr lang="en-US" sz="2400" b="0" i="0" kern="1200" dirty="0" err="1"/>
+            <a:t>sklearn</a:t>
+          </a:r>
+          <a:r>
+            <a:rPr lang="en-US" sz="2400" b="0" i="0" kern="1200" baseline="0" dirty="0"/>
+            <a:t> </a:t>
+          </a:r>
+          <a:endParaRPr lang="en-US" sz="2400" kern="1200" dirty="0"/>
         </a:p>
       </dsp:txBody>
       <dsp:txXfrm>
@@ -12157,17 +12174,17 @@
           <a:lstStyle/>
           <a:p>
             <a:r>
-              <a:rPr lang="en-US">
+              <a:rPr lang="en-US" dirty="0">
                 <a:solidFill>
                   <a:srgbClr val="FFFFFF"/>
                 </a:solidFill>
               </a:rPr>
-              <a:t>By: Sunday, Festus, Greg, and </a:t>
+              <a:t>By: Sunday, Festus, Gregory, and </a:t>
             </a:r>
           </a:p>
           <a:p>
             <a:r>
-              <a:rPr lang="en-US">
+              <a:rPr lang="en-US" dirty="0">
                 <a:solidFill>
                   <a:srgbClr val="FFFFFF"/>
                 </a:solidFill>
@@ -12513,6 +12530,186 @@
 <file path=ppt/slides/slide11.xml><?xml version="1.0" encoding="utf-8"?>
 <p:sld xmlns:a="http://schemas.openxmlformats.org/drawingml/2006/main" xmlns:r="http://schemas.openxmlformats.org/officeDocument/2006/relationships" xmlns:p="http://schemas.openxmlformats.org/presentationml/2006/main">
   <p:cSld>
+    <p:bg>
+      <p:bgPr>
+        <a:solidFill>
+          <a:schemeClr val="bg1"/>
+        </a:solidFill>
+        <a:effectLst/>
+      </p:bgPr>
+    </p:bg>
+    <p:spTree>
+      <p:nvGrpSpPr>
+        <p:cNvPr id="1" name=""/>
+        <p:cNvGrpSpPr/>
+        <p:nvPr/>
+      </p:nvGrpSpPr>
+      <p:grpSpPr>
+        <a:xfrm>
+          <a:off x="0" y="0"/>
+          <a:ext cx="0" cy="0"/>
+          <a:chOff x="0" y="0"/>
+          <a:chExt cx="0" cy="0"/>
+        </a:xfrm>
+      </p:grpSpPr>
+      <p:sp useBgFill="1">
+        <p:nvSpPr>
+          <p:cNvPr id="11" name="Rectangle 10">
+            <a:extLst>
+              <a:ext uri="{FF2B5EF4-FFF2-40B4-BE49-F238E27FC236}">
+                <a16:creationId xmlns:a16="http://schemas.microsoft.com/office/drawing/2014/main" id="{FB869131-809F-4714-9B05-385CAF009A1F}"/>
+              </a:ext>
+              <a:ext uri="{C183D7F6-B498-43B3-948B-1728B52AA6E4}">
+                <adec:decorative xmlns:adec="http://schemas.microsoft.com/office/drawing/2017/decorative" val="1"/>
+              </a:ext>
+            </a:extLst>
+          </p:cNvPr>
+          <p:cNvSpPr>
+            <a:spLocks noGrp="1" noRot="1" noChangeAspect="1" noMove="1" noResize="1" noEditPoints="1" noAdjustHandles="1" noChangeArrowheads="1" noChangeShapeType="1" noTextEdit="1"/>
+          </p:cNvSpPr>
+          <p:nvPr>
+            <p:extLst>
+              <p:ext uri="{386F3935-93C4-4BCD-93E2-E3B085C9AB24}">
+                <p16:designElem xmlns:p16="http://schemas.microsoft.com/office/powerpoint/2015/main" val="1"/>
+              </p:ext>
+            </p:extLst>
+          </p:nvPr>
+        </p:nvSpPr>
+        <p:spPr>
+          <a:xfrm>
+            <a:off x="0" y="0"/>
+            <a:ext cx="12192000" cy="6858000"/>
+          </a:xfrm>
+          <a:prstGeom prst="rect">
+            <a:avLst/>
+          </a:prstGeom>
+          <a:ln w="12700" cap="flat" cmpd="sng" algn="ctr">
+            <a:noFill/>
+            <a:prstDash val="solid"/>
+            <a:miter lim="800000"/>
+          </a:ln>
+          <a:effectLst/>
+          <a:extLst>
+            <a:ext uri="{91240B29-F687-4F45-9708-019B960494DF}">
+              <a14:hiddenLine xmlns:a14="http://schemas.microsoft.com/office/drawing/2010/main" w="12700" cap="flat" cmpd="sng" algn="ctr">
+                <a:solidFill>
+                  <a:schemeClr val="accent1">
+                    <a:shade val="50000"/>
+                  </a:schemeClr>
+                </a:solidFill>
+                <a:prstDash val="solid"/>
+                <a:miter lim="800000"/>
+              </a14:hiddenLine>
+            </a:ext>
+          </a:extLst>
+        </p:spPr>
+        <p:style>
+          <a:lnRef idx="2">
+            <a:schemeClr val="accent1">
+              <a:shade val="50000"/>
+            </a:schemeClr>
+          </a:lnRef>
+          <a:fillRef idx="1">
+            <a:schemeClr val="accent1"/>
+          </a:fillRef>
+          <a:effectRef idx="0">
+            <a:schemeClr val="accent1"/>
+          </a:effectRef>
+          <a:fontRef idx="minor">
+            <a:schemeClr val="lt1"/>
+          </a:fontRef>
+        </p:style>
+        <p:txBody>
+          <a:bodyPr rtlCol="0" anchor="ctr"/>
+          <a:lstStyle/>
+          <a:p>
+            <a:pPr algn="ctr"/>
+            <a:endParaRPr lang="en-US"/>
+          </a:p>
+        </p:txBody>
+      </p:sp>
+      <p:pic>
+        <p:nvPicPr>
+          <p:cNvPr id="4" name="Content Placeholder 3">
+            <a:extLst>
+              <a:ext uri="{FF2B5EF4-FFF2-40B4-BE49-F238E27FC236}">
+                <a16:creationId xmlns:a16="http://schemas.microsoft.com/office/drawing/2014/main" id="{11338DBF-1944-43AA-BFB5-14EB64C3CBEA}"/>
+              </a:ext>
+            </a:extLst>
+          </p:cNvPr>
+          <p:cNvPicPr>
+            <a:picLocks noChangeAspect="1"/>
+          </p:cNvPicPr>
+          <p:nvPr/>
+        </p:nvPicPr>
+        <p:blipFill>
+          <a:blip r:embed="rId2"/>
+          <a:stretch>
+            <a:fillRect/>
+          </a:stretch>
+        </p:blipFill>
+        <p:spPr>
+          <a:xfrm>
+            <a:off x="1101783" y="944880"/>
+            <a:ext cx="8334923" cy="5445760"/>
+          </a:xfrm>
+          <a:prstGeom prst="rect">
+            <a:avLst/>
+          </a:prstGeom>
+        </p:spPr>
+      </p:pic>
+      <p:sp>
+        <p:nvSpPr>
+          <p:cNvPr id="2" name="Title 1">
+            <a:extLst>
+              <a:ext uri="{FF2B5EF4-FFF2-40B4-BE49-F238E27FC236}">
+                <a16:creationId xmlns:a16="http://schemas.microsoft.com/office/drawing/2014/main" id="{5619EB51-6AA3-4D7F-AE34-A165B0AFC1EF}"/>
+              </a:ext>
+            </a:extLst>
+          </p:cNvPr>
+          <p:cNvSpPr>
+            <a:spLocks noGrp="1"/>
+          </p:cNvSpPr>
+          <p:nvPr>
+            <p:ph type="title"/>
+          </p:nvPr>
+        </p:nvSpPr>
+        <p:spPr>
+          <a:xfrm>
+            <a:off x="1544321" y="-158689"/>
+            <a:ext cx="9997440" cy="1276289"/>
+          </a:xfrm>
+          <a:noFill/>
+        </p:spPr>
+        <p:txBody>
+          <a:bodyPr anchor="ctr">
+            <a:normAutofit/>
+          </a:bodyPr>
+          <a:lstStyle/>
+          <a:p>
+            <a:r>
+              <a:rPr lang="en-US" dirty="0"/>
+              <a:t>Price and body-style relation</a:t>
+            </a:r>
+          </a:p>
+        </p:txBody>
+      </p:sp>
+    </p:spTree>
+    <p:extLst>
+      <p:ext uri="{BB962C8B-B14F-4D97-AF65-F5344CB8AC3E}">
+        <p14:creationId xmlns:p14="http://schemas.microsoft.com/office/powerpoint/2010/main" val="1509288870"/>
+      </p:ext>
+    </p:extLst>
+  </p:cSld>
+  <p:clrMapOvr>
+    <a:masterClrMapping/>
+  </p:clrMapOvr>
+</p:sld>
+</file>
+
+<file path=ppt/slides/slide12.xml><?xml version="1.0" encoding="utf-8"?>
+<p:sld xmlns:a="http://schemas.openxmlformats.org/drawingml/2006/main" xmlns:r="http://schemas.openxmlformats.org/officeDocument/2006/relationships" xmlns:p="http://schemas.openxmlformats.org/presentationml/2006/main">
+  <p:cSld>
     <p:spTree>
       <p:nvGrpSpPr>
         <p:cNvPr id="1" name=""/>
@@ -12606,7 +12803,7 @@
 </p:sld>
 </file>
 
-<file path=ppt/slides/slide12.xml><?xml version="1.0" encoding="utf-8"?>
+<file path=ppt/slides/slide13.xml><?xml version="1.0" encoding="utf-8"?>
 <p:sld xmlns:a="http://schemas.openxmlformats.org/drawingml/2006/main" xmlns:r="http://schemas.openxmlformats.org/officeDocument/2006/relationships" xmlns:p="http://schemas.openxmlformats.org/presentationml/2006/main">
   <p:cSld>
     <p:bg>
@@ -12868,7 +13065,7 @@
 </p:sld>
 </file>
 
-<file path=ppt/slides/slide13.xml><?xml version="1.0" encoding="utf-8"?>
+<file path=ppt/slides/slide14.xml><?xml version="1.0" encoding="utf-8"?>
 <p:sld xmlns:a="http://schemas.openxmlformats.org/drawingml/2006/main" xmlns:r="http://schemas.openxmlformats.org/officeDocument/2006/relationships" xmlns:p="http://schemas.openxmlformats.org/presentationml/2006/main">
   <p:cSld>
     <p:spTree>
@@ -12963,7 +13160,7 @@
 </p:sld>
 </file>
 
-<file path=ppt/slides/slide14.xml><?xml version="1.0" encoding="utf-8"?>
+<file path=ppt/slides/slide15.xml><?xml version="1.0" encoding="utf-8"?>
 <p:sld xmlns:a="http://schemas.openxmlformats.org/drawingml/2006/main" xmlns:r="http://schemas.openxmlformats.org/officeDocument/2006/relationships" xmlns:p="http://schemas.openxmlformats.org/presentationml/2006/main">
   <p:cSld>
     <p:spTree>
@@ -13139,7 +13336,7 @@
 </p:sld>
 </file>
 
-<file path=ppt/slides/slide15.xml><?xml version="1.0" encoding="utf-8"?>
+<file path=ppt/slides/slide16.xml><?xml version="1.0" encoding="utf-8"?>
 <p:sld xmlns:a="http://schemas.openxmlformats.org/drawingml/2006/main" xmlns:r="http://schemas.openxmlformats.org/officeDocument/2006/relationships" xmlns:p="http://schemas.openxmlformats.org/presentationml/2006/main">
   <p:cSld>
     <p:bg>
@@ -13420,7 +13617,7 @@
 </p:sld>
 </file>
 
-<file path=ppt/slides/slide16.xml><?xml version="1.0" encoding="utf-8"?>
+<file path=ppt/slides/slide17.xml><?xml version="1.0" encoding="utf-8"?>
 <p:sld xmlns:a="http://schemas.openxmlformats.org/drawingml/2006/main" xmlns:r="http://schemas.openxmlformats.org/officeDocument/2006/relationships" xmlns:p="http://schemas.openxmlformats.org/presentationml/2006/main">
   <p:cSld>
     <p:bg>
@@ -13733,7 +13930,7 @@
 </p:sld>
 </file>
 
-<file path=ppt/slides/slide17.xml><?xml version="1.0" encoding="utf-8"?>
+<file path=ppt/slides/slide18.xml><?xml version="1.0" encoding="utf-8"?>
 <p:sld xmlns:a="http://schemas.openxmlformats.org/drawingml/2006/main" xmlns:r="http://schemas.openxmlformats.org/officeDocument/2006/relationships" xmlns:p="http://schemas.openxmlformats.org/presentationml/2006/main">
   <p:cSld>
     <p:bg>
@@ -13900,7 +14097,7 @@
 </p:sld>
 </file>
 
-<file path=ppt/slides/slide18.xml><?xml version="1.0" encoding="utf-8"?>
+<file path=ppt/slides/slide19.xml><?xml version="1.0" encoding="utf-8"?>
 <p:sld xmlns:a="http://schemas.openxmlformats.org/drawingml/2006/main" xmlns:r="http://schemas.openxmlformats.org/officeDocument/2006/relationships" xmlns:p="http://schemas.openxmlformats.org/presentationml/2006/main">
   <p:cSld>
     <p:spTree>
@@ -14534,7 +14731,7 @@
             <p:ph idx="1"/>
             <p:extLst>
               <p:ext uri="{D42A27DB-BD31-4B8C-83A1-F6EECF244321}">
-                <p14:modId xmlns:p14="http://schemas.microsoft.com/office/powerpoint/2010/main" val="710524900"/>
+                <p14:modId xmlns:p14="http://schemas.microsoft.com/office/powerpoint/2010/main" val="1049221854"/>
               </p:ext>
             </p:extLst>
           </p:nvPr>
@@ -14598,7 +14795,7 @@
         <p:spPr>
           <a:xfrm>
             <a:off x="838200" y="365125"/>
-            <a:ext cx="9820275" cy="1949450"/>
+            <a:ext cx="9820275" cy="1416050"/>
           </a:xfrm>
         </p:spPr>
         <p:txBody>
@@ -14608,25 +14805,20 @@
           <a:lstStyle/>
           <a:p>
             <a:r>
-              <a:rPr lang="en-US" b="1" i="0" dirty="0">
+              <a:rPr lang="en-US" sz="3600" b="1" i="0" dirty="0">
                 <a:solidFill>
-                  <a:srgbClr val="000000"/>
+                  <a:srgbClr val="00B0F0"/>
                 </a:solidFill>
                 <a:effectLst/>
                 <a:latin typeface="Helvetica Neue"/>
               </a:rPr>
               <a:t>Identify missing values</a:t>
             </a:r>
-            <a:br>
-              <a:rPr lang="en-US" b="1" i="0" dirty="0">
-                <a:solidFill>
-                  <a:srgbClr val="000000"/>
-                </a:solidFill>
-                <a:effectLst/>
-                <a:latin typeface="Helvetica Neue"/>
-              </a:rPr>
-            </a:br>
-            <a:endParaRPr lang="en-US" dirty="0"/>
+            <a:endParaRPr lang="en-US" sz="3600" dirty="0">
+              <a:solidFill>
+                <a:srgbClr val="00B0F0"/>
+              </a:solidFill>
+            </a:endParaRPr>
           </a:p>
         </p:txBody>
       </p:sp>
@@ -15614,13 +15806,8 @@
           <a:p>
             <a:r>
               <a:rPr lang="en-US" dirty="0"/>
-              <a:t>This was also useful in improving the performance of machine learning </a:t>
+              <a:t>This was also useful in improving the performance of machine learning algorithms</a:t>
             </a:r>
-            <a:r>
-              <a:rPr lang="en-US" dirty="0" err="1"/>
-              <a:t>algarithms</a:t>
-            </a:r>
-            <a:endParaRPr lang="en-US" dirty="0"/>
           </a:p>
           <a:p>
             <a:endParaRPr lang="en-US" dirty="0"/>
